--- a/Presentation Legendary Project.pptx
+++ b/Presentation Legendary Project.pptx
@@ -15,8 +15,9 @@
     <p:sldId id="263" r:id="rId9"/>
     <p:sldId id="264" r:id="rId10"/>
     <p:sldId id="265" r:id="rId11"/>
-    <p:sldId id="266" r:id="rId12"/>
-    <p:sldId id="267" r:id="rId13"/>
+    <p:sldId id="268" r:id="rId12"/>
+    <p:sldId id="266" r:id="rId13"/>
+    <p:sldId id="267" r:id="rId14"/>
   </p:sldIdLst>
   <p:sldSz cx="12192000" cy="6858000"/>
   <p:notesSz cx="6858000" cy="9144000"/>
@@ -115,6 +116,11 @@
       </a:defRPr>
     </a:lvl9pPr>
   </p:defaultTextStyle>
+  <p:extLst>
+    <p:ext uri="{EFAFB233-063F-42B5-8137-9DF3F51BA10A}">
+      <p15:sldGuideLst xmlns:p15="http://schemas.microsoft.com/office/powerpoint/2012/main"/>
+    </p:ext>
+  </p:extLst>
 </p:presentation>
 </file>
 
@@ -303,7 +309,7 @@
           <a:p>
             <a:fld id="{2B3D6CA4-368C-40ED-98C5-68679F3B1F32}" type="datetimeFigureOut">
               <a:rPr lang="fr-CA" smtClean="0"/>
-              <a:t>2019-11-26</a:t>
+              <a:t>2019-12-01</a:t>
             </a:fld>
             <a:endParaRPr lang="fr-CA"/>
           </a:p>
@@ -601,7 +607,7 @@
           <a:p>
             <a:fld id="{2B3D6CA4-368C-40ED-98C5-68679F3B1F32}" type="datetimeFigureOut">
               <a:rPr lang="fr-CA" smtClean="0"/>
-              <a:t>2019-11-26</a:t>
+              <a:t>2019-12-01</a:t>
             </a:fld>
             <a:endParaRPr lang="fr-CA"/>
           </a:p>
@@ -793,7 +799,7 @@
           <a:p>
             <a:fld id="{2B3D6CA4-368C-40ED-98C5-68679F3B1F32}" type="datetimeFigureOut">
               <a:rPr lang="fr-CA" smtClean="0"/>
-              <a:t>2019-11-26</a:t>
+              <a:t>2019-12-01</a:t>
             </a:fld>
             <a:endParaRPr lang="fr-CA"/>
           </a:p>
@@ -1054,7 +1060,7 @@
           <a:p>
             <a:fld id="{2B3D6CA4-368C-40ED-98C5-68679F3B1F32}" type="datetimeFigureOut">
               <a:rPr lang="fr-CA" smtClean="0"/>
-              <a:t>2019-11-26</a:t>
+              <a:t>2019-12-01</a:t>
             </a:fld>
             <a:endParaRPr lang="fr-CA"/>
           </a:p>
@@ -1478,7 +1484,7 @@
           <a:p>
             <a:fld id="{2B3D6CA4-368C-40ED-98C5-68679F3B1F32}" type="datetimeFigureOut">
               <a:rPr lang="fr-CA" smtClean="0"/>
-              <a:t>2019-11-26</a:t>
+              <a:t>2019-12-01</a:t>
             </a:fld>
             <a:endParaRPr lang="fr-CA"/>
           </a:p>
@@ -2015,7 +2021,7 @@
           <a:p>
             <a:fld id="{2B3D6CA4-368C-40ED-98C5-68679F3B1F32}" type="datetimeFigureOut">
               <a:rPr lang="fr-CA" smtClean="0"/>
-              <a:t>2019-11-26</a:t>
+              <a:t>2019-12-01</a:t>
             </a:fld>
             <a:endParaRPr lang="fr-CA"/>
           </a:p>
@@ -2879,7 +2885,7 @@
           <a:p>
             <a:fld id="{2B3D6CA4-368C-40ED-98C5-68679F3B1F32}" type="datetimeFigureOut">
               <a:rPr lang="fr-CA" smtClean="0"/>
-              <a:t>2019-11-26</a:t>
+              <a:t>2019-12-01</a:t>
             </a:fld>
             <a:endParaRPr lang="fr-CA"/>
           </a:p>
@@ -3049,7 +3055,7 @@
           <a:p>
             <a:fld id="{2B3D6CA4-368C-40ED-98C5-68679F3B1F32}" type="datetimeFigureOut">
               <a:rPr lang="fr-CA" smtClean="0"/>
-              <a:t>2019-11-26</a:t>
+              <a:t>2019-12-01</a:t>
             </a:fld>
             <a:endParaRPr lang="fr-CA"/>
           </a:p>
@@ -3233,7 +3239,7 @@
           <a:p>
             <a:fld id="{2B3D6CA4-368C-40ED-98C5-68679F3B1F32}" type="datetimeFigureOut">
               <a:rPr lang="fr-CA" smtClean="0"/>
-              <a:t>2019-11-26</a:t>
+              <a:t>2019-12-01</a:t>
             </a:fld>
             <a:endParaRPr lang="fr-CA"/>
           </a:p>
@@ -3403,7 +3409,7 @@
           <a:p>
             <a:fld id="{2B3D6CA4-368C-40ED-98C5-68679F3B1F32}" type="datetimeFigureOut">
               <a:rPr lang="fr-CA" smtClean="0"/>
-              <a:t>2019-11-26</a:t>
+              <a:t>2019-12-01</a:t>
             </a:fld>
             <a:endParaRPr lang="fr-CA"/>
           </a:p>
@@ -3647,7 +3653,7 @@
           <a:p>
             <a:fld id="{2B3D6CA4-368C-40ED-98C5-68679F3B1F32}" type="datetimeFigureOut">
               <a:rPr lang="fr-CA" smtClean="0"/>
-              <a:t>2019-11-26</a:t>
+              <a:t>2019-12-01</a:t>
             </a:fld>
             <a:endParaRPr lang="fr-CA"/>
           </a:p>
@@ -3883,7 +3889,7 @@
           <a:p>
             <a:fld id="{2B3D6CA4-368C-40ED-98C5-68679F3B1F32}" type="datetimeFigureOut">
               <a:rPr lang="fr-CA" smtClean="0"/>
-              <a:t>2019-11-26</a:t>
+              <a:t>2019-12-01</a:t>
             </a:fld>
             <a:endParaRPr lang="fr-CA"/>
           </a:p>
@@ -4349,7 +4355,7 @@
           <a:p>
             <a:fld id="{2B3D6CA4-368C-40ED-98C5-68679F3B1F32}" type="datetimeFigureOut">
               <a:rPr lang="fr-CA" smtClean="0"/>
-              <a:t>2019-11-26</a:t>
+              <a:t>2019-12-01</a:t>
             </a:fld>
             <a:endParaRPr lang="fr-CA"/>
           </a:p>
@@ -4467,7 +4473,7 @@
           <a:p>
             <a:fld id="{2B3D6CA4-368C-40ED-98C5-68679F3B1F32}" type="datetimeFigureOut">
               <a:rPr lang="fr-CA" smtClean="0"/>
-              <a:t>2019-11-26</a:t>
+              <a:t>2019-12-01</a:t>
             </a:fld>
             <a:endParaRPr lang="fr-CA"/>
           </a:p>
@@ -4562,7 +4568,7 @@
           <a:p>
             <a:fld id="{2B3D6CA4-368C-40ED-98C5-68679F3B1F32}" type="datetimeFigureOut">
               <a:rPr lang="fr-CA" smtClean="0"/>
-              <a:t>2019-11-26</a:t>
+              <a:t>2019-12-01</a:t>
             </a:fld>
             <a:endParaRPr lang="fr-CA"/>
           </a:p>
@@ -4817,7 +4823,7 @@
           <a:p>
             <a:fld id="{2B3D6CA4-368C-40ED-98C5-68679F3B1F32}" type="datetimeFigureOut">
               <a:rPr lang="fr-CA" smtClean="0"/>
-              <a:t>2019-11-26</a:t>
+              <a:t>2019-12-01</a:t>
             </a:fld>
             <a:endParaRPr lang="fr-CA"/>
           </a:p>
@@ -5117,7 +5123,7 @@
           <a:p>
             <a:fld id="{2B3D6CA4-368C-40ED-98C5-68679F3B1F32}" type="datetimeFigureOut">
               <a:rPr lang="fr-CA" smtClean="0"/>
-              <a:t>2019-11-26</a:t>
+              <a:t>2019-12-01</a:t>
             </a:fld>
             <a:endParaRPr lang="fr-CA"/>
           </a:p>
@@ -5351,7 +5357,7 @@
           <a:p>
             <a:fld id="{2B3D6CA4-368C-40ED-98C5-68679F3B1F32}" type="datetimeFigureOut">
               <a:rPr lang="fr-CA" smtClean="0"/>
-              <a:t>2019-11-26</a:t>
+              <a:t>2019-12-01</a:t>
             </a:fld>
             <a:endParaRPr lang="fr-CA"/>
           </a:p>
@@ -6146,7 +6152,68 @@
           <a:bodyPr/>
           <a:lstStyle/>
           <a:p>
-            <a:endParaRPr lang="fr-CA"/>
+            <a:r>
+              <a:rPr lang="fr-CA" dirty="0" smtClean="0"/>
+              <a:t>Sources </a:t>
+            </a:r>
+          </a:p>
+          <a:p>
+            <a:pPr lvl="1"/>
+            <a:r>
+              <a:rPr lang="fr-CA" dirty="0" smtClean="0"/>
+              <a:t>des images </a:t>
+            </a:r>
+          </a:p>
+          <a:p>
+            <a:pPr lvl="1"/>
+            <a:r>
+              <a:rPr lang="fr-CA" dirty="0" smtClean="0"/>
+              <a:t>éléments visuels </a:t>
+            </a:r>
+          </a:p>
+          <a:p>
+            <a:pPr lvl="1"/>
+            <a:r>
+              <a:rPr lang="fr-CA" dirty="0" smtClean="0"/>
+              <a:t>fichiers audio</a:t>
+            </a:r>
+          </a:p>
+          <a:p>
+            <a:r>
+              <a:rPr lang="fr-CA" dirty="0" smtClean="0"/>
+              <a:t>Ressources maison</a:t>
+            </a:r>
+          </a:p>
+          <a:p>
+            <a:pPr lvl="1"/>
+            <a:r>
+              <a:rPr lang="fr-CA" dirty="0" smtClean="0"/>
+              <a:t>Procédé	</a:t>
+            </a:r>
+          </a:p>
+          <a:p>
+            <a:pPr lvl="1"/>
+            <a:r>
+              <a:rPr lang="fr-CA" dirty="0" smtClean="0"/>
+              <a:t>Résultat final</a:t>
+            </a:r>
+          </a:p>
+          <a:p>
+            <a:r>
+              <a:rPr lang="fr-CA" dirty="0" smtClean="0"/>
+              <a:t>Librairies utilisées</a:t>
+            </a:r>
+            <a:endParaRPr lang="fr-CA" dirty="0"/>
+          </a:p>
+          <a:p>
+            <a:pPr lvl="1"/>
+            <a:endParaRPr lang="fr-CA" dirty="0" smtClean="0"/>
+          </a:p>
+          <a:p>
+            <a:endParaRPr lang="fr-CA" dirty="0" smtClean="0"/>
+          </a:p>
+          <a:p>
+            <a:endParaRPr lang="fr-CA" dirty="0"/>
           </a:p>
         </p:txBody>
       </p:sp>
@@ -6225,14 +6292,59 @@
           <a:bodyPr/>
           <a:lstStyle/>
           <a:p>
-            <a:endParaRPr lang="fr-CA"/>
+            <a:r>
+              <a:rPr lang="fr-CA" dirty="0" err="1" smtClean="0"/>
+              <a:t>Assets</a:t>
+            </a:r>
+            <a:endParaRPr lang="fr-CA" dirty="0" smtClean="0"/>
+          </a:p>
+          <a:p>
+            <a:pPr lvl="1"/>
+            <a:r>
+              <a:rPr lang="fr-CA" dirty="0" smtClean="0"/>
+              <a:t>Différent? </a:t>
+            </a:r>
+          </a:p>
+          <a:p>
+            <a:r>
+              <a:rPr lang="fr-CA" dirty="0" smtClean="0"/>
+              <a:t>Organisation de notre code</a:t>
+            </a:r>
+          </a:p>
+          <a:p>
+            <a:r>
+              <a:rPr lang="fr-CA" dirty="0" smtClean="0"/>
+              <a:t>Code le plus fière.</a:t>
+            </a:r>
+          </a:p>
+          <a:p>
+            <a:pPr lvl="1"/>
+            <a:r>
+              <a:rPr lang="fr-CA" dirty="0" smtClean="0"/>
+              <a:t>Individuelle.</a:t>
+            </a:r>
+          </a:p>
+          <a:p>
+            <a:pPr lvl="2"/>
+            <a:r>
+              <a:rPr lang="fr-CA" dirty="0" smtClean="0"/>
+              <a:t>Problème à résoudre.</a:t>
+            </a:r>
+          </a:p>
+          <a:p>
+            <a:pPr lvl="2"/>
+            <a:r>
+              <a:rPr lang="fr-CA" dirty="0" smtClean="0"/>
+              <a:t>Comment?</a:t>
+            </a:r>
+            <a:endParaRPr lang="fr-CA" dirty="0"/>
           </a:p>
         </p:txBody>
       </p:sp>
     </p:spTree>
     <p:extLst>
       <p:ext uri="{BB962C8B-B14F-4D97-AF65-F5344CB8AC3E}">
-        <p14:creationId xmlns:p14="http://schemas.microsoft.com/office/powerpoint/2010/main" val="1573669404"/>
+        <p14:creationId xmlns:p14="http://schemas.microsoft.com/office/powerpoint/2010/main" val="2798364705"/>
       </p:ext>
     </p:extLst>
   </p:cSld>
@@ -6282,6 +6394,114 @@
           <a:lstStyle/>
           <a:p>
             <a:r>
+              <a:rPr lang="fr-CA" dirty="0" smtClean="0"/>
+              <a:t>Présentation du </a:t>
+            </a:r>
+            <a:r>
+              <a:rPr lang="fr-CA" dirty="0" smtClean="0"/>
+              <a:t>code (Suite)</a:t>
+            </a:r>
+            <a:endParaRPr lang="fr-CA" dirty="0"/>
+          </a:p>
+        </p:txBody>
+      </p:sp>
+      <p:sp>
+        <p:nvSpPr>
+          <p:cNvPr id="3" name="Espace réservé du contenu 2"/>
+          <p:cNvSpPr>
+            <a:spLocks noGrp="1"/>
+          </p:cNvSpPr>
+          <p:nvPr>
+            <p:ph idx="1"/>
+          </p:nvPr>
+        </p:nvSpPr>
+        <p:spPr/>
+        <p:txBody>
+          <a:bodyPr/>
+          <a:lstStyle/>
+          <a:p>
+            <a:r>
+              <a:rPr lang="fr-CA" dirty="0" smtClean="0"/>
+              <a:t>Code le moins fier (équipe)</a:t>
+            </a:r>
+          </a:p>
+          <a:p>
+            <a:pPr lvl="1"/>
+            <a:r>
+              <a:rPr lang="fr-CA" dirty="0" smtClean="0"/>
+              <a:t>Présentation du code le moins fier</a:t>
+            </a:r>
+          </a:p>
+          <a:p>
+            <a:pPr lvl="1"/>
+            <a:r>
+              <a:rPr lang="fr-CA" dirty="0" smtClean="0"/>
+              <a:t>Pourquoi ?</a:t>
+            </a:r>
+          </a:p>
+          <a:p>
+            <a:pPr lvl="1"/>
+            <a:r>
+              <a:rPr lang="fr-CA" dirty="0" smtClean="0"/>
+              <a:t>Pourquoi ne pas l’avoir corriger? / Comment le corriger?</a:t>
+            </a:r>
+            <a:endParaRPr lang="fr-CA" dirty="0" smtClean="0"/>
+          </a:p>
+        </p:txBody>
+      </p:sp>
+    </p:spTree>
+    <p:extLst>
+      <p:ext uri="{BB962C8B-B14F-4D97-AF65-F5344CB8AC3E}">
+        <p14:creationId xmlns:p14="http://schemas.microsoft.com/office/powerpoint/2010/main" val="1573669404"/>
+      </p:ext>
+    </p:extLst>
+  </p:cSld>
+  <p:clrMapOvr>
+    <a:masterClrMapping/>
+  </p:clrMapOvr>
+  <p:timing>
+    <p:tnLst>
+      <p:par>
+        <p:cTn id="1" dur="indefinite" restart="never" nodeType="tmRoot"/>
+      </p:par>
+    </p:tnLst>
+  </p:timing>
+</p:sld>
+</file>
+
+<file path=ppt/slides/slide13.xml><?xml version="1.0" encoding="utf-8"?>
+<p:sld xmlns:a="http://schemas.openxmlformats.org/drawingml/2006/main" xmlns:r="http://schemas.openxmlformats.org/officeDocument/2006/relationships" xmlns:p="http://schemas.openxmlformats.org/presentationml/2006/main">
+  <p:cSld>
+    <p:spTree>
+      <p:nvGrpSpPr>
+        <p:cNvPr id="1" name=""/>
+        <p:cNvGrpSpPr/>
+        <p:nvPr/>
+      </p:nvGrpSpPr>
+      <p:grpSpPr>
+        <a:xfrm>
+          <a:off x="0" y="0"/>
+          <a:ext cx="0" cy="0"/>
+          <a:chOff x="0" y="0"/>
+          <a:chExt cx="0" cy="0"/>
+        </a:xfrm>
+      </p:grpSpPr>
+      <p:sp>
+        <p:nvSpPr>
+          <p:cNvPr id="2" name="Titre 1"/>
+          <p:cNvSpPr>
+            <a:spLocks noGrp="1"/>
+          </p:cNvSpPr>
+          <p:nvPr>
+            <p:ph type="title"/>
+          </p:nvPr>
+        </p:nvSpPr>
+        <p:spPr/>
+        <p:txBody>
+          <a:bodyPr/>
+          <a:lstStyle/>
+          <a:p>
+            <a:r>
               <a:rPr lang="fr-CA" smtClean="0"/>
               <a:t>Conclusion</a:t>
             </a:r>
@@ -6304,7 +6524,50 @@
           <a:bodyPr/>
           <a:lstStyle/>
           <a:p>
-            <a:endParaRPr lang="fr-CA"/>
+            <a:r>
+              <a:rPr lang="fr-CA" dirty="0" smtClean="0"/>
+              <a:t>+/- avancé à ce que l’on pensait?</a:t>
+            </a:r>
+          </a:p>
+          <a:p>
+            <a:pPr lvl="1"/>
+            <a:r>
+              <a:rPr lang="fr-CA" dirty="0" smtClean="0"/>
+              <a:t>Pourquoi?</a:t>
+            </a:r>
+          </a:p>
+          <a:p>
+            <a:r>
+              <a:rPr lang="fr-CA" dirty="0" smtClean="0"/>
+              <a:t>Attentes?</a:t>
+            </a:r>
+          </a:p>
+          <a:p>
+            <a:r>
+              <a:rPr lang="fr-CA" dirty="0" smtClean="0"/>
+              <a:t>Attentes rencontré? </a:t>
+            </a:r>
+          </a:p>
+          <a:p>
+            <a:pPr lvl="1"/>
+            <a:r>
+              <a:rPr lang="fr-CA" dirty="0" smtClean="0"/>
+              <a:t>Pourquoi ?</a:t>
+            </a:r>
+          </a:p>
+          <a:p>
+            <a:pPr lvl="1"/>
+            <a:r>
+              <a:rPr lang="fr-CA" dirty="0" smtClean="0"/>
+              <a:t>Commentaire constructif.</a:t>
+            </a:r>
+          </a:p>
+          <a:p>
+            <a:r>
+              <a:rPr lang="fr-CA" dirty="0" smtClean="0"/>
+              <a:t>Continuer à temps perdu ?</a:t>
+            </a:r>
+            <a:endParaRPr lang="fr-CA" dirty="0"/>
           </a:p>
         </p:txBody>
       </p:sp>
@@ -6385,19 +6648,29 @@
           <a:p>
             <a:r>
               <a:rPr lang="fr-CA" dirty="0" smtClean="0"/>
-              <a:t>Nos inspirations</a:t>
-            </a:r>
-          </a:p>
-          <a:p>
-            <a:r>
-              <a:rPr lang="fr-CA" dirty="0" smtClean="0"/>
-              <a:t>L’objectif</a:t>
-            </a:r>
-          </a:p>
-          <a:p>
-            <a:r>
-              <a:rPr lang="fr-CA" dirty="0" smtClean="0"/>
-              <a:t>Nos attentes</a:t>
+              <a:t>Nos </a:t>
+            </a:r>
+            <a:r>
+              <a:rPr lang="fr-CA" dirty="0" smtClean="0"/>
+              <a:t>inspirations.</a:t>
+            </a:r>
+            <a:endParaRPr lang="fr-CA" dirty="0" smtClean="0"/>
+          </a:p>
+          <a:p>
+            <a:r>
+              <a:rPr lang="fr-CA" dirty="0" smtClean="0"/>
+              <a:t>L’objectif.</a:t>
+            </a:r>
+            <a:endParaRPr lang="fr-CA" dirty="0" smtClean="0"/>
+          </a:p>
+          <a:p>
+            <a:r>
+              <a:rPr lang="fr-CA" dirty="0" smtClean="0"/>
+              <a:t>Nos </a:t>
+            </a:r>
+            <a:r>
+              <a:rPr lang="fr-CA" dirty="0" smtClean="0"/>
+              <a:t>attentes.</a:t>
             </a:r>
             <a:endParaRPr lang="fr-CA" dirty="0"/>
           </a:p>
@@ -6559,13 +6832,28 @@
           <a:p>
             <a:r>
               <a:rPr lang="fr-CA" dirty="0" smtClean="0"/>
-              <a:t>Créer les bases</a:t>
-            </a:r>
-          </a:p>
-          <a:p>
-            <a:r>
-              <a:rPr lang="fr-CA" dirty="0" smtClean="0"/>
-              <a:t>Non-dépendant des autres fonctions</a:t>
+              <a:t>Objectif?</a:t>
+            </a:r>
+          </a:p>
+          <a:p>
+            <a:pPr lvl="1"/>
+            <a:r>
+              <a:rPr lang="fr-CA" dirty="0" smtClean="0"/>
+              <a:t>Créer les bases.</a:t>
+            </a:r>
+          </a:p>
+          <a:p>
+            <a:r>
+              <a:rPr lang="fr-CA" dirty="0" smtClean="0"/>
+              <a:t>Pourquoi avoir priorisé cela?</a:t>
+            </a:r>
+            <a:endParaRPr lang="fr-CA" dirty="0" smtClean="0"/>
+          </a:p>
+          <a:p>
+            <a:pPr lvl="1"/>
+            <a:r>
+              <a:rPr lang="fr-CA" dirty="0" smtClean="0"/>
+              <a:t>Non-dépendant des autres fonctions.</a:t>
             </a:r>
             <a:endParaRPr lang="fr-CA" dirty="0"/>
           </a:p>
@@ -6647,21 +6935,70 @@
           <a:lstStyle/>
           <a:p>
             <a:r>
-              <a:rPr lang="fr-CA" dirty="0" smtClean="0"/>
-              <a:t>Suite logique du sprint 1</a:t>
-            </a:r>
-          </a:p>
-          <a:p>
-            <a:r>
-              <a:rPr lang="fr-CA" dirty="0" smtClean="0"/>
-              <a:t>Ajustement et upgrade</a:t>
-            </a:r>
-          </a:p>
-          <a:p>
-            <a:r>
-              <a:rPr lang="fr-CA" dirty="0" smtClean="0"/>
-              <a:t>Nouvelles fonctionnalités suivant les premières</a:t>
-            </a:r>
+              <a:rPr lang="fr-CA" dirty="0"/>
+              <a:t>Objectif</a:t>
+            </a:r>
+            <a:r>
+              <a:rPr lang="fr-CA" dirty="0" smtClean="0"/>
+              <a:t>?</a:t>
+            </a:r>
+            <a:endParaRPr lang="fr-CA" dirty="0" smtClean="0"/>
+          </a:p>
+          <a:p>
+            <a:pPr lvl="1"/>
+            <a:r>
+              <a:rPr lang="fr-CA" dirty="0" smtClean="0"/>
+              <a:t>Suite </a:t>
+            </a:r>
+            <a:r>
+              <a:rPr lang="fr-CA" dirty="0" smtClean="0"/>
+              <a:t>logique du sprint </a:t>
+            </a:r>
+            <a:r>
+              <a:rPr lang="fr-CA" dirty="0" smtClean="0"/>
+              <a:t>1.</a:t>
+            </a:r>
+          </a:p>
+          <a:p>
+            <a:r>
+              <a:rPr lang="fr-CA" dirty="0"/>
+              <a:t>Pourquoi avoir priorisé </a:t>
+            </a:r>
+            <a:r>
+              <a:rPr lang="fr-CA" dirty="0" smtClean="0"/>
+              <a:t>cela?</a:t>
+            </a:r>
+          </a:p>
+          <a:p>
+            <a:pPr lvl="1"/>
+            <a:r>
+              <a:rPr lang="fr-CA" dirty="0" smtClean="0"/>
+              <a:t>Nouvelles </a:t>
+            </a:r>
+            <a:r>
+              <a:rPr lang="fr-CA" dirty="0" smtClean="0"/>
+              <a:t>fonctionnalités </a:t>
+            </a:r>
+            <a:r>
+              <a:rPr lang="fr-CA" dirty="0" smtClean="0"/>
+              <a:t>permettant</a:t>
+            </a:r>
+            <a:r>
+              <a:rPr lang="fr-CA" dirty="0" smtClean="0"/>
+              <a:t> l’amélioration du jeu</a:t>
+            </a:r>
+            <a:r>
+              <a:rPr lang="fr-CA" dirty="0" smtClean="0"/>
+              <a:t>.</a:t>
+            </a:r>
+          </a:p>
+          <a:p>
+            <a:r>
+              <a:rPr lang="fr-CA" dirty="0" smtClean="0"/>
+              <a:t>Contribution par membre.</a:t>
+            </a:r>
+          </a:p>
+          <a:p>
             <a:endParaRPr lang="fr-CA" dirty="0"/>
           </a:p>
         </p:txBody>
@@ -6743,28 +7080,50 @@
           <a:p>
             <a:r>
               <a:rPr lang="fr-CA" dirty="0" smtClean="0"/>
-              <a:t>Ajout des menus</a:t>
-            </a:r>
-          </a:p>
-          <a:p>
-            <a:r>
-              <a:rPr lang="fr-CA" dirty="0" smtClean="0"/>
-              <a:t>Ajout d’un but plus spécifique au jeu</a:t>
-            </a:r>
-          </a:p>
-          <a:p>
-            <a:r>
-              <a:rPr lang="fr-CA" dirty="0" smtClean="0"/>
-              <a:t>Amélioration du personnage</a:t>
-            </a:r>
-          </a:p>
-          <a:p>
-            <a:r>
-              <a:rPr lang="fr-CA" dirty="0" smtClean="0"/>
-              <a:t>Perfectionnement des ennemis</a:t>
-            </a:r>
-          </a:p>
-          <a:p>
+              <a:t>Objectifs ?</a:t>
+            </a:r>
+            <a:endParaRPr lang="fr-CA" dirty="0" smtClean="0"/>
+          </a:p>
+          <a:p>
+            <a:pPr lvl="1"/>
+            <a:r>
+              <a:rPr lang="fr-CA" dirty="0" smtClean="0"/>
+              <a:t>Ajout </a:t>
+            </a:r>
+            <a:r>
+              <a:rPr lang="fr-CA" dirty="0" smtClean="0"/>
+              <a:t>des </a:t>
+            </a:r>
+            <a:r>
+              <a:rPr lang="fr-CA" dirty="0" smtClean="0"/>
+              <a:t>menus.</a:t>
+            </a:r>
+          </a:p>
+          <a:p>
+            <a:pPr lvl="1"/>
+            <a:r>
+              <a:rPr lang="fr-CA" dirty="0" smtClean="0"/>
+              <a:t> Amélioration du personnage.</a:t>
+            </a:r>
+          </a:p>
+          <a:p>
+            <a:pPr lvl="1"/>
+            <a:r>
+              <a:rPr lang="fr-CA" dirty="0" smtClean="0"/>
+              <a:t>Perfectionnement </a:t>
+            </a:r>
+            <a:r>
+              <a:rPr lang="fr-CA" dirty="0" smtClean="0"/>
+              <a:t>des </a:t>
+            </a:r>
+            <a:r>
+              <a:rPr lang="fr-CA" dirty="0" smtClean="0"/>
+              <a:t>ennemis.</a:t>
+            </a:r>
+            <a:endParaRPr lang="fr-CA" dirty="0" smtClean="0"/>
+          </a:p>
+          <a:p>
+            <a:pPr lvl="1"/>
             <a:r>
               <a:rPr lang="fr-CA" dirty="0" smtClean="0"/>
               <a:t>Ajout d’une « </a:t>
@@ -6783,8 +7142,43 @@
             </a:r>
             <a:r>
               <a:rPr lang="fr-CA" dirty="0" smtClean="0"/>
-              <a:t> »</a:t>
-            </a:r>
+              <a:t> </a:t>
+            </a:r>
+            <a:r>
+              <a:rPr lang="fr-CA" dirty="0" smtClean="0"/>
+              <a:t>».</a:t>
+            </a:r>
+          </a:p>
+          <a:p>
+            <a:pPr lvl="1"/>
+            <a:r>
+              <a:rPr lang="fr-CA" dirty="0" smtClean="0"/>
+              <a:t>Allongement du jeu.</a:t>
+            </a:r>
+          </a:p>
+          <a:p>
+            <a:r>
+              <a:rPr lang="fr-CA" dirty="0"/>
+              <a:t>Pourquoi avoir priorisé cela?</a:t>
+            </a:r>
+          </a:p>
+          <a:p>
+            <a:pPr lvl="1"/>
+            <a:r>
+              <a:rPr lang="fr-CA" dirty="0" smtClean="0"/>
+              <a:t>Avoir un rendu final plus réaliste.</a:t>
+            </a:r>
+          </a:p>
+          <a:p>
+            <a:r>
+              <a:rPr lang="fr-CA" dirty="0"/>
+              <a:t>Contribution par membre.</a:t>
+            </a:r>
+          </a:p>
+          <a:p>
+            <a:pPr marL="36900" indent="0">
+              <a:buNone/>
+            </a:pPr>
             <a:endParaRPr lang="fr-CA" dirty="0"/>
           </a:p>
         </p:txBody>
@@ -6874,14 +7268,24 @@
           <a:p>
             <a:r>
               <a:rPr lang="fr-CA" dirty="0" smtClean="0"/>
-              <a:t>Système de marchandage</a:t>
-            </a:r>
-          </a:p>
-          <a:p>
-            <a:r>
-              <a:rPr lang="fr-CA" dirty="0" smtClean="0"/>
-              <a:t>Système de classe</a:t>
-            </a:r>
+              <a:t>Système de </a:t>
+            </a:r>
+            <a:r>
+              <a:rPr lang="fr-CA" dirty="0" smtClean="0"/>
+              <a:t>marchandage.</a:t>
+            </a:r>
+            <a:endParaRPr lang="fr-CA" dirty="0" smtClean="0"/>
+          </a:p>
+          <a:p>
+            <a:r>
+              <a:rPr lang="fr-CA" dirty="0" smtClean="0"/>
+              <a:t>Système de </a:t>
+            </a:r>
+            <a:r>
+              <a:rPr lang="fr-CA" dirty="0" smtClean="0"/>
+              <a:t>classe.</a:t>
+            </a:r>
+            <a:endParaRPr lang="fr-CA" dirty="0" smtClean="0"/>
           </a:p>
           <a:p>
             <a:r>
@@ -6892,13 +7296,22 @@
               <a:rPr lang="fr-CA" dirty="0" err="1" smtClean="0"/>
               <a:t>loot</a:t>
             </a:r>
+            <a:r>
+              <a:rPr lang="fr-CA" dirty="0" smtClean="0"/>
+              <a:t>.</a:t>
+            </a:r>
             <a:endParaRPr lang="fr-CA" dirty="0" smtClean="0"/>
           </a:p>
           <a:p>
             <a:r>
               <a:rPr lang="fr-CA" dirty="0" smtClean="0"/>
-              <a:t>Changer l’apparence du joueur en équipant des items</a:t>
-            </a:r>
+              <a:t>Changer l’apparence du joueur en équipant des </a:t>
+            </a:r>
+            <a:r>
+              <a:rPr lang="fr-CA" dirty="0" smtClean="0"/>
+              <a:t>items.</a:t>
+            </a:r>
+            <a:endParaRPr lang="fr-CA" dirty="0" smtClean="0"/>
           </a:p>
         </p:txBody>
       </p:sp>
@@ -6977,7 +7390,33 @@
           <a:bodyPr/>
           <a:lstStyle/>
           <a:p>
-            <a:endParaRPr lang="fr-CA"/>
+            <a:r>
+              <a:rPr lang="fr-CA" dirty="0" smtClean="0"/>
+              <a:t>Branches.</a:t>
+            </a:r>
+          </a:p>
+          <a:p>
+            <a:r>
+              <a:rPr lang="fr-CA" dirty="0" smtClean="0"/>
+              <a:t>Différentes scènes.</a:t>
+            </a:r>
+          </a:p>
+          <a:p>
+            <a:r>
+              <a:rPr lang="fr-CA" dirty="0" smtClean="0"/>
+              <a:t>Pair </a:t>
+            </a:r>
+            <a:r>
+              <a:rPr lang="fr-CA" dirty="0" err="1" smtClean="0"/>
+              <a:t>Programming</a:t>
+            </a:r>
+            <a:r>
+              <a:rPr lang="fr-CA" dirty="0" smtClean="0"/>
+              <a:t>.</a:t>
+            </a:r>
+          </a:p>
+          <a:p>
+            <a:endParaRPr lang="fr-CA" dirty="0"/>
           </a:p>
         </p:txBody>
       </p:sp>
@@ -7056,7 +7495,25 @@
           <a:bodyPr/>
           <a:lstStyle/>
           <a:p>
-            <a:endParaRPr lang="fr-CA"/>
+            <a:r>
+              <a:rPr lang="fr-CA" dirty="0" smtClean="0"/>
+              <a:t>Difficulté personnelle.</a:t>
+            </a:r>
+          </a:p>
+          <a:p>
+            <a:r>
+              <a:rPr lang="fr-CA" dirty="0" smtClean="0"/>
+              <a:t>Difficulté groupe.</a:t>
+            </a:r>
+          </a:p>
+          <a:p>
+            <a:r>
+              <a:rPr lang="fr-CA" dirty="0" smtClean="0"/>
+              <a:t>Quoi faire de différent?</a:t>
+            </a:r>
+          </a:p>
+          <a:p>
+            <a:endParaRPr lang="fr-CA" dirty="0"/>
           </a:p>
         </p:txBody>
       </p:sp>
